--- a/ppt 16-9/0648.用灵歌唱.pptx
+++ b/ppt 16-9/0648.用灵歌唱.pptx
@@ -5,7 +5,7 @@
     <p:sldMasterId id="2147483648" r:id="rId1"/>
   </p:sldMasterIdLst>
   <p:sldIdLst>
-    <p:sldId id="2449" r:id="rId2"/>
+    <p:sldId id="2450" r:id="rId2"/>
   </p:sldIdLst>
   <p:sldSz cx="12192000" cy="6858000"/>
   <p:notesSz cx="6858000" cy="9144000"/>
@@ -129,7 +129,7 @@
           <p:cNvPr id="2" name="标题 1">
             <a:extLst>
               <a:ext uri="{FF2B5EF4-FFF2-40B4-BE49-F238E27FC236}">
-                <a16:creationId xmlns:a16="http://schemas.microsoft.com/office/drawing/2014/main" id="{B6656884-4923-C7E1-FA7A-61D7C214DFA7}"/>
+                <a16:creationId xmlns:a16="http://schemas.microsoft.com/office/drawing/2014/main" id="{61C98DEE-0343-47A7-6C60-B20B63E0EB1D}"/>
               </a:ext>
             </a:extLst>
           </p:cNvPr>
@@ -166,7 +166,7 @@
           <p:cNvPr id="3" name="副标题 2">
             <a:extLst>
               <a:ext uri="{FF2B5EF4-FFF2-40B4-BE49-F238E27FC236}">
-                <a16:creationId xmlns:a16="http://schemas.microsoft.com/office/drawing/2014/main" id="{0C758BD2-6DC2-4F8D-20A9-C6019693B0C9}"/>
+                <a16:creationId xmlns:a16="http://schemas.microsoft.com/office/drawing/2014/main" id="{FE8EB70D-1EE0-1EED-604A-6DEB46FFBE04}"/>
               </a:ext>
             </a:extLst>
           </p:cNvPr>
@@ -236,7 +236,7 @@
           <p:cNvPr id="4" name="日期占位符 3">
             <a:extLst>
               <a:ext uri="{FF2B5EF4-FFF2-40B4-BE49-F238E27FC236}">
-                <a16:creationId xmlns:a16="http://schemas.microsoft.com/office/drawing/2014/main" id="{058A6211-3FCA-9D0E-5724-E526EC870165}"/>
+                <a16:creationId xmlns:a16="http://schemas.microsoft.com/office/drawing/2014/main" id="{83C545F1-FA73-075D-5D69-85E87B1D0409}"/>
               </a:ext>
             </a:extLst>
           </p:cNvPr>
@@ -252,7 +252,7 @@
           <a:bodyPr/>
           <a:lstStyle/>
           <a:p>
-            <a:fld id="{D3E127F4-75EE-4E78-8F36-D8E3A6AF637B}" type="datetimeFigureOut">
+            <a:fld id="{B7FB6B46-9698-4FCE-ADF7-6D28FB368E26}" type="datetimeFigureOut">
               <a:rPr lang="zh-CN" altLang="en-US" smtClean="0"/>
               <a:t>2024/3/10</a:t>
             </a:fld>
@@ -265,7 +265,7 @@
           <p:cNvPr id="5" name="页脚占位符 4">
             <a:extLst>
               <a:ext uri="{FF2B5EF4-FFF2-40B4-BE49-F238E27FC236}">
-                <a16:creationId xmlns:a16="http://schemas.microsoft.com/office/drawing/2014/main" id="{146B1B7A-8113-14E1-EB64-700D058410BB}"/>
+                <a16:creationId xmlns:a16="http://schemas.microsoft.com/office/drawing/2014/main" id="{067E7CE5-1D57-2DB4-879A-D7A64E748D78}"/>
               </a:ext>
             </a:extLst>
           </p:cNvPr>
@@ -290,7 +290,7 @@
           <p:cNvPr id="6" name="灯片编号占位符 5">
             <a:extLst>
               <a:ext uri="{FF2B5EF4-FFF2-40B4-BE49-F238E27FC236}">
-                <a16:creationId xmlns:a16="http://schemas.microsoft.com/office/drawing/2014/main" id="{D94AE29C-5012-7B2C-9580-D1C85B748F44}"/>
+                <a16:creationId xmlns:a16="http://schemas.microsoft.com/office/drawing/2014/main" id="{6F022055-B052-BF03-F685-1B7D872B53F1}"/>
               </a:ext>
             </a:extLst>
           </p:cNvPr>
@@ -306,7 +306,7 @@
           <a:bodyPr/>
           <a:lstStyle/>
           <a:p>
-            <a:fld id="{7F93AC3B-E287-401C-94A0-9157F967D642}" type="slidenum">
+            <a:fld id="{8DE3B536-9E86-4AD2-BA9D-DB7EDDF840CE}" type="slidenum">
               <a:rPr lang="zh-CN" altLang="en-US" smtClean="0"/>
               <a:t>‹#›</a:t>
             </a:fld>
@@ -317,7 +317,7 @@
     </p:spTree>
     <p:extLst>
       <p:ext uri="{BB962C8B-B14F-4D97-AF65-F5344CB8AC3E}">
-        <p14:creationId xmlns:p14="http://schemas.microsoft.com/office/powerpoint/2010/main" val="3978803761"/>
+        <p14:creationId xmlns:p14="http://schemas.microsoft.com/office/powerpoint/2010/main" val="4197297828"/>
       </p:ext>
     </p:extLst>
   </p:cSld>
@@ -349,7 +349,7 @@
           <p:cNvPr id="2" name="标题 1">
             <a:extLst>
               <a:ext uri="{FF2B5EF4-FFF2-40B4-BE49-F238E27FC236}">
-                <a16:creationId xmlns:a16="http://schemas.microsoft.com/office/drawing/2014/main" id="{9DCE0479-DB03-0FA0-23B1-3DB205D20869}"/>
+                <a16:creationId xmlns:a16="http://schemas.microsoft.com/office/drawing/2014/main" id="{D76AE639-99B2-50D5-BA2C-1AC11C95B35E}"/>
               </a:ext>
             </a:extLst>
           </p:cNvPr>
@@ -377,7 +377,7 @@
           <p:cNvPr id="3" name="竖排文字占位符 2">
             <a:extLst>
               <a:ext uri="{FF2B5EF4-FFF2-40B4-BE49-F238E27FC236}">
-                <a16:creationId xmlns:a16="http://schemas.microsoft.com/office/drawing/2014/main" id="{70391E0C-89BE-F461-F93C-325B94EB3BA0}"/>
+                <a16:creationId xmlns:a16="http://schemas.microsoft.com/office/drawing/2014/main" id="{71E5FAA7-684E-DE2F-A40D-67601F162DA8}"/>
               </a:ext>
             </a:extLst>
           </p:cNvPr>
@@ -434,7 +434,7 @@
           <p:cNvPr id="4" name="日期占位符 3">
             <a:extLst>
               <a:ext uri="{FF2B5EF4-FFF2-40B4-BE49-F238E27FC236}">
-                <a16:creationId xmlns:a16="http://schemas.microsoft.com/office/drawing/2014/main" id="{C4514BE9-59C6-DC23-5FBA-6B343091C6E3}"/>
+                <a16:creationId xmlns:a16="http://schemas.microsoft.com/office/drawing/2014/main" id="{67588FBB-992D-CB60-1C6A-7758D2BE36A6}"/>
               </a:ext>
             </a:extLst>
           </p:cNvPr>
@@ -450,7 +450,7 @@
           <a:bodyPr/>
           <a:lstStyle/>
           <a:p>
-            <a:fld id="{D3E127F4-75EE-4E78-8F36-D8E3A6AF637B}" type="datetimeFigureOut">
+            <a:fld id="{B7FB6B46-9698-4FCE-ADF7-6D28FB368E26}" type="datetimeFigureOut">
               <a:rPr lang="zh-CN" altLang="en-US" smtClean="0"/>
               <a:t>2024/3/10</a:t>
             </a:fld>
@@ -463,7 +463,7 @@
           <p:cNvPr id="5" name="页脚占位符 4">
             <a:extLst>
               <a:ext uri="{FF2B5EF4-FFF2-40B4-BE49-F238E27FC236}">
-                <a16:creationId xmlns:a16="http://schemas.microsoft.com/office/drawing/2014/main" id="{BD4F8FBE-C0F8-F6C9-3FA7-F9E2567212F1}"/>
+                <a16:creationId xmlns:a16="http://schemas.microsoft.com/office/drawing/2014/main" id="{5505E81C-A4A6-CBFE-72CD-1A544DA0BB4B}"/>
               </a:ext>
             </a:extLst>
           </p:cNvPr>
@@ -488,7 +488,7 @@
           <p:cNvPr id="6" name="灯片编号占位符 5">
             <a:extLst>
               <a:ext uri="{FF2B5EF4-FFF2-40B4-BE49-F238E27FC236}">
-                <a16:creationId xmlns:a16="http://schemas.microsoft.com/office/drawing/2014/main" id="{7342882F-6477-140B-3EE8-8EA1FC4D35BE}"/>
+                <a16:creationId xmlns:a16="http://schemas.microsoft.com/office/drawing/2014/main" id="{B4CDD7A2-822F-C4A9-53C1-9F89D6DBE121}"/>
               </a:ext>
             </a:extLst>
           </p:cNvPr>
@@ -504,7 +504,7 @@
           <a:bodyPr/>
           <a:lstStyle/>
           <a:p>
-            <a:fld id="{7F93AC3B-E287-401C-94A0-9157F967D642}" type="slidenum">
+            <a:fld id="{8DE3B536-9E86-4AD2-BA9D-DB7EDDF840CE}" type="slidenum">
               <a:rPr lang="zh-CN" altLang="en-US" smtClean="0"/>
               <a:t>‹#›</a:t>
             </a:fld>
@@ -515,7 +515,7 @@
     </p:spTree>
     <p:extLst>
       <p:ext uri="{BB962C8B-B14F-4D97-AF65-F5344CB8AC3E}">
-        <p14:creationId xmlns:p14="http://schemas.microsoft.com/office/powerpoint/2010/main" val="3453871074"/>
+        <p14:creationId xmlns:p14="http://schemas.microsoft.com/office/powerpoint/2010/main" val="1949490239"/>
       </p:ext>
     </p:extLst>
   </p:cSld>
@@ -547,7 +547,7 @@
           <p:cNvPr id="2" name="竖排标题 1">
             <a:extLst>
               <a:ext uri="{FF2B5EF4-FFF2-40B4-BE49-F238E27FC236}">
-                <a16:creationId xmlns:a16="http://schemas.microsoft.com/office/drawing/2014/main" id="{7D8793B0-EEE8-881B-96C6-7E38EA3401F5}"/>
+                <a16:creationId xmlns:a16="http://schemas.microsoft.com/office/drawing/2014/main" id="{CDA301C4-5142-C694-72C2-30AA5CB8009E}"/>
               </a:ext>
             </a:extLst>
           </p:cNvPr>
@@ -580,7 +580,7 @@
           <p:cNvPr id="3" name="竖排文字占位符 2">
             <a:extLst>
               <a:ext uri="{FF2B5EF4-FFF2-40B4-BE49-F238E27FC236}">
-                <a16:creationId xmlns:a16="http://schemas.microsoft.com/office/drawing/2014/main" id="{7AE1B24A-D801-7C72-F72F-D7CE805ABA96}"/>
+                <a16:creationId xmlns:a16="http://schemas.microsoft.com/office/drawing/2014/main" id="{B0BAFBFC-5C72-EE9A-29A6-A6C815F88983}"/>
               </a:ext>
             </a:extLst>
           </p:cNvPr>
@@ -642,7 +642,7 @@
           <p:cNvPr id="4" name="日期占位符 3">
             <a:extLst>
               <a:ext uri="{FF2B5EF4-FFF2-40B4-BE49-F238E27FC236}">
-                <a16:creationId xmlns:a16="http://schemas.microsoft.com/office/drawing/2014/main" id="{DCFEB635-AF8D-732D-EABD-83DECB584608}"/>
+                <a16:creationId xmlns:a16="http://schemas.microsoft.com/office/drawing/2014/main" id="{5D96F03E-D4B3-9DFB-EA6B-F67A28D0FFFD}"/>
               </a:ext>
             </a:extLst>
           </p:cNvPr>
@@ -658,7 +658,7 @@
           <a:bodyPr/>
           <a:lstStyle/>
           <a:p>
-            <a:fld id="{D3E127F4-75EE-4E78-8F36-D8E3A6AF637B}" type="datetimeFigureOut">
+            <a:fld id="{B7FB6B46-9698-4FCE-ADF7-6D28FB368E26}" type="datetimeFigureOut">
               <a:rPr lang="zh-CN" altLang="en-US" smtClean="0"/>
               <a:t>2024/3/10</a:t>
             </a:fld>
@@ -671,7 +671,7 @@
           <p:cNvPr id="5" name="页脚占位符 4">
             <a:extLst>
               <a:ext uri="{FF2B5EF4-FFF2-40B4-BE49-F238E27FC236}">
-                <a16:creationId xmlns:a16="http://schemas.microsoft.com/office/drawing/2014/main" id="{33489271-BF8A-704A-6703-29B3CAC3800F}"/>
+                <a16:creationId xmlns:a16="http://schemas.microsoft.com/office/drawing/2014/main" id="{25AAAFA0-6DC2-1112-7026-F79FA807F7BF}"/>
               </a:ext>
             </a:extLst>
           </p:cNvPr>
@@ -696,7 +696,7 @@
           <p:cNvPr id="6" name="灯片编号占位符 5">
             <a:extLst>
               <a:ext uri="{FF2B5EF4-FFF2-40B4-BE49-F238E27FC236}">
-                <a16:creationId xmlns:a16="http://schemas.microsoft.com/office/drawing/2014/main" id="{38EADAC3-38FC-BB21-4F57-8106E134FF10}"/>
+                <a16:creationId xmlns:a16="http://schemas.microsoft.com/office/drawing/2014/main" id="{BAD49A20-38B9-8B88-349D-9D456B78316B}"/>
               </a:ext>
             </a:extLst>
           </p:cNvPr>
@@ -712,7 +712,7 @@
           <a:bodyPr/>
           <a:lstStyle/>
           <a:p>
-            <a:fld id="{7F93AC3B-E287-401C-94A0-9157F967D642}" type="slidenum">
+            <a:fld id="{8DE3B536-9E86-4AD2-BA9D-DB7EDDF840CE}" type="slidenum">
               <a:rPr lang="zh-CN" altLang="en-US" smtClean="0"/>
               <a:t>‹#›</a:t>
             </a:fld>
@@ -723,7 +723,7 @@
     </p:spTree>
     <p:extLst>
       <p:ext uri="{BB962C8B-B14F-4D97-AF65-F5344CB8AC3E}">
-        <p14:creationId xmlns:p14="http://schemas.microsoft.com/office/powerpoint/2010/main" val="1839024115"/>
+        <p14:creationId xmlns:p14="http://schemas.microsoft.com/office/powerpoint/2010/main" val="1289144112"/>
       </p:ext>
     </p:extLst>
   </p:cSld>
@@ -755,7 +755,7 @@
           <p:cNvPr id="2" name="标题 1">
             <a:extLst>
               <a:ext uri="{FF2B5EF4-FFF2-40B4-BE49-F238E27FC236}">
-                <a16:creationId xmlns:a16="http://schemas.microsoft.com/office/drawing/2014/main" id="{9C929B56-D286-C040-EDF3-F0B645686ADE}"/>
+                <a16:creationId xmlns:a16="http://schemas.microsoft.com/office/drawing/2014/main" id="{572E855C-F32B-8B5A-3A51-0416A4C9CCEF}"/>
               </a:ext>
             </a:extLst>
           </p:cNvPr>
@@ -783,7 +783,7 @@
           <p:cNvPr id="3" name="内容占位符 2">
             <a:extLst>
               <a:ext uri="{FF2B5EF4-FFF2-40B4-BE49-F238E27FC236}">
-                <a16:creationId xmlns:a16="http://schemas.microsoft.com/office/drawing/2014/main" id="{33F5E059-384F-3F4A-8630-0383F2649DF0}"/>
+                <a16:creationId xmlns:a16="http://schemas.microsoft.com/office/drawing/2014/main" id="{0D52A2E5-32CB-D8C3-8321-0F52F0C0DCBC}"/>
               </a:ext>
             </a:extLst>
           </p:cNvPr>
@@ -840,7 +840,7 @@
           <p:cNvPr id="4" name="日期占位符 3">
             <a:extLst>
               <a:ext uri="{FF2B5EF4-FFF2-40B4-BE49-F238E27FC236}">
-                <a16:creationId xmlns:a16="http://schemas.microsoft.com/office/drawing/2014/main" id="{3B3C2BFC-776C-981C-DA3B-5A06A5172B19}"/>
+                <a16:creationId xmlns:a16="http://schemas.microsoft.com/office/drawing/2014/main" id="{E242877B-4797-369A-CE8C-108278961E28}"/>
               </a:ext>
             </a:extLst>
           </p:cNvPr>
@@ -856,7 +856,7 @@
           <a:bodyPr/>
           <a:lstStyle/>
           <a:p>
-            <a:fld id="{D3E127F4-75EE-4E78-8F36-D8E3A6AF637B}" type="datetimeFigureOut">
+            <a:fld id="{B7FB6B46-9698-4FCE-ADF7-6D28FB368E26}" type="datetimeFigureOut">
               <a:rPr lang="zh-CN" altLang="en-US" smtClean="0"/>
               <a:t>2024/3/10</a:t>
             </a:fld>
@@ -869,7 +869,7 @@
           <p:cNvPr id="5" name="页脚占位符 4">
             <a:extLst>
               <a:ext uri="{FF2B5EF4-FFF2-40B4-BE49-F238E27FC236}">
-                <a16:creationId xmlns:a16="http://schemas.microsoft.com/office/drawing/2014/main" id="{B1D5C396-3190-7619-DAF5-27F2B325C968}"/>
+                <a16:creationId xmlns:a16="http://schemas.microsoft.com/office/drawing/2014/main" id="{C4D1D542-26A0-A914-4415-3E43D79FFA64}"/>
               </a:ext>
             </a:extLst>
           </p:cNvPr>
@@ -894,7 +894,7 @@
           <p:cNvPr id="6" name="灯片编号占位符 5">
             <a:extLst>
               <a:ext uri="{FF2B5EF4-FFF2-40B4-BE49-F238E27FC236}">
-                <a16:creationId xmlns:a16="http://schemas.microsoft.com/office/drawing/2014/main" id="{A49C545E-B510-E67E-DA06-E434D9924B56}"/>
+                <a16:creationId xmlns:a16="http://schemas.microsoft.com/office/drawing/2014/main" id="{4B80DDE8-4DB4-87BD-5BF7-4BD42A7C78E9}"/>
               </a:ext>
             </a:extLst>
           </p:cNvPr>
@@ -910,7 +910,7 @@
           <a:bodyPr/>
           <a:lstStyle/>
           <a:p>
-            <a:fld id="{7F93AC3B-E287-401C-94A0-9157F967D642}" type="slidenum">
+            <a:fld id="{8DE3B536-9E86-4AD2-BA9D-DB7EDDF840CE}" type="slidenum">
               <a:rPr lang="zh-CN" altLang="en-US" smtClean="0"/>
               <a:t>‹#›</a:t>
             </a:fld>
@@ -921,7 +921,7 @@
     </p:spTree>
     <p:extLst>
       <p:ext uri="{BB962C8B-B14F-4D97-AF65-F5344CB8AC3E}">
-        <p14:creationId xmlns:p14="http://schemas.microsoft.com/office/powerpoint/2010/main" val="3164709378"/>
+        <p14:creationId xmlns:p14="http://schemas.microsoft.com/office/powerpoint/2010/main" val="1466395740"/>
       </p:ext>
     </p:extLst>
   </p:cSld>
@@ -953,7 +953,7 @@
           <p:cNvPr id="2" name="标题 1">
             <a:extLst>
               <a:ext uri="{FF2B5EF4-FFF2-40B4-BE49-F238E27FC236}">
-                <a16:creationId xmlns:a16="http://schemas.microsoft.com/office/drawing/2014/main" id="{70D2392C-2CB9-9E57-9C96-968D6544BC3E}"/>
+                <a16:creationId xmlns:a16="http://schemas.microsoft.com/office/drawing/2014/main" id="{E67488BB-48AA-6845-BB8D-85C0315F12DB}"/>
               </a:ext>
             </a:extLst>
           </p:cNvPr>
@@ -990,7 +990,7 @@
           <p:cNvPr id="3" name="文本占位符 2">
             <a:extLst>
               <a:ext uri="{FF2B5EF4-FFF2-40B4-BE49-F238E27FC236}">
-                <a16:creationId xmlns:a16="http://schemas.microsoft.com/office/drawing/2014/main" id="{D1144CAF-5A94-8063-7050-DCE2B6C937BB}"/>
+                <a16:creationId xmlns:a16="http://schemas.microsoft.com/office/drawing/2014/main" id="{E5E1D84E-2A60-4C34-9DD1-D7087E718990}"/>
               </a:ext>
             </a:extLst>
           </p:cNvPr>
@@ -1115,7 +1115,7 @@
           <p:cNvPr id="4" name="日期占位符 3">
             <a:extLst>
               <a:ext uri="{FF2B5EF4-FFF2-40B4-BE49-F238E27FC236}">
-                <a16:creationId xmlns:a16="http://schemas.microsoft.com/office/drawing/2014/main" id="{DB8EFBD4-FB1F-D9CC-8FE7-00595070D43E}"/>
+                <a16:creationId xmlns:a16="http://schemas.microsoft.com/office/drawing/2014/main" id="{5B58407F-F6F9-953F-77C6-EF29418833E4}"/>
               </a:ext>
             </a:extLst>
           </p:cNvPr>
@@ -1131,7 +1131,7 @@
           <a:bodyPr/>
           <a:lstStyle/>
           <a:p>
-            <a:fld id="{D3E127F4-75EE-4E78-8F36-D8E3A6AF637B}" type="datetimeFigureOut">
+            <a:fld id="{B7FB6B46-9698-4FCE-ADF7-6D28FB368E26}" type="datetimeFigureOut">
               <a:rPr lang="zh-CN" altLang="en-US" smtClean="0"/>
               <a:t>2024/3/10</a:t>
             </a:fld>
@@ -1144,7 +1144,7 @@
           <p:cNvPr id="5" name="页脚占位符 4">
             <a:extLst>
               <a:ext uri="{FF2B5EF4-FFF2-40B4-BE49-F238E27FC236}">
-                <a16:creationId xmlns:a16="http://schemas.microsoft.com/office/drawing/2014/main" id="{86EFB29F-6304-A9BE-98CF-3FF46EE1F065}"/>
+                <a16:creationId xmlns:a16="http://schemas.microsoft.com/office/drawing/2014/main" id="{9C76C48C-D83D-1D5B-9936-DB9647BD2FD6}"/>
               </a:ext>
             </a:extLst>
           </p:cNvPr>
@@ -1169,7 +1169,7 @@
           <p:cNvPr id="6" name="灯片编号占位符 5">
             <a:extLst>
               <a:ext uri="{FF2B5EF4-FFF2-40B4-BE49-F238E27FC236}">
-                <a16:creationId xmlns:a16="http://schemas.microsoft.com/office/drawing/2014/main" id="{D4E6FC75-20D1-0D2B-CE16-509E8EEA4645}"/>
+                <a16:creationId xmlns:a16="http://schemas.microsoft.com/office/drawing/2014/main" id="{2378495D-DE6E-FD63-EDD1-467AFC213C18}"/>
               </a:ext>
             </a:extLst>
           </p:cNvPr>
@@ -1185,7 +1185,7 @@
           <a:bodyPr/>
           <a:lstStyle/>
           <a:p>
-            <a:fld id="{7F93AC3B-E287-401C-94A0-9157F967D642}" type="slidenum">
+            <a:fld id="{8DE3B536-9E86-4AD2-BA9D-DB7EDDF840CE}" type="slidenum">
               <a:rPr lang="zh-CN" altLang="en-US" smtClean="0"/>
               <a:t>‹#›</a:t>
             </a:fld>
@@ -1196,7 +1196,7 @@
     </p:spTree>
     <p:extLst>
       <p:ext uri="{BB962C8B-B14F-4D97-AF65-F5344CB8AC3E}">
-        <p14:creationId xmlns:p14="http://schemas.microsoft.com/office/powerpoint/2010/main" val="4156818746"/>
+        <p14:creationId xmlns:p14="http://schemas.microsoft.com/office/powerpoint/2010/main" val="447150185"/>
       </p:ext>
     </p:extLst>
   </p:cSld>
@@ -1228,7 +1228,7 @@
           <p:cNvPr id="2" name="标题 1">
             <a:extLst>
               <a:ext uri="{FF2B5EF4-FFF2-40B4-BE49-F238E27FC236}">
-                <a16:creationId xmlns:a16="http://schemas.microsoft.com/office/drawing/2014/main" id="{21EA19BB-A1D3-7F1B-7BEE-676A6AD48395}"/>
+                <a16:creationId xmlns:a16="http://schemas.microsoft.com/office/drawing/2014/main" id="{D0AAAA5C-4E32-22DF-9689-D8921DA78825}"/>
               </a:ext>
             </a:extLst>
           </p:cNvPr>
@@ -1256,7 +1256,7 @@
           <p:cNvPr id="3" name="内容占位符 2">
             <a:extLst>
               <a:ext uri="{FF2B5EF4-FFF2-40B4-BE49-F238E27FC236}">
-                <a16:creationId xmlns:a16="http://schemas.microsoft.com/office/drawing/2014/main" id="{ADEF525B-2C14-06C6-3929-9AFAE5B64155}"/>
+                <a16:creationId xmlns:a16="http://schemas.microsoft.com/office/drawing/2014/main" id="{A849EFE2-129B-E973-EB0C-F005F9D61A21}"/>
               </a:ext>
             </a:extLst>
           </p:cNvPr>
@@ -1318,7 +1318,7 @@
           <p:cNvPr id="4" name="内容占位符 3">
             <a:extLst>
               <a:ext uri="{FF2B5EF4-FFF2-40B4-BE49-F238E27FC236}">
-                <a16:creationId xmlns:a16="http://schemas.microsoft.com/office/drawing/2014/main" id="{76DBCE29-60AD-454B-1622-3E06976129AF}"/>
+                <a16:creationId xmlns:a16="http://schemas.microsoft.com/office/drawing/2014/main" id="{903301F7-5186-AF67-6017-10AE2A0DE4DB}"/>
               </a:ext>
             </a:extLst>
           </p:cNvPr>
@@ -1380,7 +1380,7 @@
           <p:cNvPr id="5" name="日期占位符 4">
             <a:extLst>
               <a:ext uri="{FF2B5EF4-FFF2-40B4-BE49-F238E27FC236}">
-                <a16:creationId xmlns:a16="http://schemas.microsoft.com/office/drawing/2014/main" id="{007C1DD3-925D-2506-62F4-D984DC0AD53E}"/>
+                <a16:creationId xmlns:a16="http://schemas.microsoft.com/office/drawing/2014/main" id="{D5BAB622-CB13-FCD6-AD29-AC99A386546E}"/>
               </a:ext>
             </a:extLst>
           </p:cNvPr>
@@ -1396,7 +1396,7 @@
           <a:bodyPr/>
           <a:lstStyle/>
           <a:p>
-            <a:fld id="{D3E127F4-75EE-4E78-8F36-D8E3A6AF637B}" type="datetimeFigureOut">
+            <a:fld id="{B7FB6B46-9698-4FCE-ADF7-6D28FB368E26}" type="datetimeFigureOut">
               <a:rPr lang="zh-CN" altLang="en-US" smtClean="0"/>
               <a:t>2024/3/10</a:t>
             </a:fld>
@@ -1409,7 +1409,7 @@
           <p:cNvPr id="6" name="页脚占位符 5">
             <a:extLst>
               <a:ext uri="{FF2B5EF4-FFF2-40B4-BE49-F238E27FC236}">
-                <a16:creationId xmlns:a16="http://schemas.microsoft.com/office/drawing/2014/main" id="{33B6790B-EAEC-0C06-D133-19B437B3F665}"/>
+                <a16:creationId xmlns:a16="http://schemas.microsoft.com/office/drawing/2014/main" id="{196273FE-BC3E-570E-7429-EE05F2424363}"/>
               </a:ext>
             </a:extLst>
           </p:cNvPr>
@@ -1434,7 +1434,7 @@
           <p:cNvPr id="7" name="灯片编号占位符 6">
             <a:extLst>
               <a:ext uri="{FF2B5EF4-FFF2-40B4-BE49-F238E27FC236}">
-                <a16:creationId xmlns:a16="http://schemas.microsoft.com/office/drawing/2014/main" id="{D8B4F52E-CCCA-B059-6330-981A307083F0}"/>
+                <a16:creationId xmlns:a16="http://schemas.microsoft.com/office/drawing/2014/main" id="{CF7D81BF-A9A3-CA26-8DB1-BD7DF6FD259C}"/>
               </a:ext>
             </a:extLst>
           </p:cNvPr>
@@ -1450,7 +1450,7 @@
           <a:bodyPr/>
           <a:lstStyle/>
           <a:p>
-            <a:fld id="{7F93AC3B-E287-401C-94A0-9157F967D642}" type="slidenum">
+            <a:fld id="{8DE3B536-9E86-4AD2-BA9D-DB7EDDF840CE}" type="slidenum">
               <a:rPr lang="zh-CN" altLang="en-US" smtClean="0"/>
               <a:t>‹#›</a:t>
             </a:fld>
@@ -1461,7 +1461,7 @@
     </p:spTree>
     <p:extLst>
       <p:ext uri="{BB962C8B-B14F-4D97-AF65-F5344CB8AC3E}">
-        <p14:creationId xmlns:p14="http://schemas.microsoft.com/office/powerpoint/2010/main" val="1197945588"/>
+        <p14:creationId xmlns:p14="http://schemas.microsoft.com/office/powerpoint/2010/main" val="661638896"/>
       </p:ext>
     </p:extLst>
   </p:cSld>
@@ -1493,7 +1493,7 @@
           <p:cNvPr id="2" name="标题 1">
             <a:extLst>
               <a:ext uri="{FF2B5EF4-FFF2-40B4-BE49-F238E27FC236}">
-                <a16:creationId xmlns:a16="http://schemas.microsoft.com/office/drawing/2014/main" id="{4F297FB1-9BC6-999C-FC21-97666DFC9CAE}"/>
+                <a16:creationId xmlns:a16="http://schemas.microsoft.com/office/drawing/2014/main" id="{38A5F705-D705-4613-F4A9-99393758D2EA}"/>
               </a:ext>
             </a:extLst>
           </p:cNvPr>
@@ -1526,7 +1526,7 @@
           <p:cNvPr id="3" name="文本占位符 2">
             <a:extLst>
               <a:ext uri="{FF2B5EF4-FFF2-40B4-BE49-F238E27FC236}">
-                <a16:creationId xmlns:a16="http://schemas.microsoft.com/office/drawing/2014/main" id="{1BB0EA0D-85C7-9988-D39C-BC0149F0BF9D}"/>
+                <a16:creationId xmlns:a16="http://schemas.microsoft.com/office/drawing/2014/main" id="{89C4D40F-F80E-B6A7-9CFD-8AD6D8C28630}"/>
               </a:ext>
             </a:extLst>
           </p:cNvPr>
@@ -1597,7 +1597,7 @@
           <p:cNvPr id="4" name="内容占位符 3">
             <a:extLst>
               <a:ext uri="{FF2B5EF4-FFF2-40B4-BE49-F238E27FC236}">
-                <a16:creationId xmlns:a16="http://schemas.microsoft.com/office/drawing/2014/main" id="{ECAB4E20-F781-80BF-04D1-14C5053719D4}"/>
+                <a16:creationId xmlns:a16="http://schemas.microsoft.com/office/drawing/2014/main" id="{4ADD056F-B9D5-705F-CAD0-57DC68F2250A}"/>
               </a:ext>
             </a:extLst>
           </p:cNvPr>
@@ -1659,7 +1659,7 @@
           <p:cNvPr id="5" name="文本占位符 4">
             <a:extLst>
               <a:ext uri="{FF2B5EF4-FFF2-40B4-BE49-F238E27FC236}">
-                <a16:creationId xmlns:a16="http://schemas.microsoft.com/office/drawing/2014/main" id="{753F1BAE-A2C2-4679-FF4D-2047EB3B5D57}"/>
+                <a16:creationId xmlns:a16="http://schemas.microsoft.com/office/drawing/2014/main" id="{4E930C7F-F800-1CC3-93E0-D142A3CC107C}"/>
               </a:ext>
             </a:extLst>
           </p:cNvPr>
@@ -1730,7 +1730,7 @@
           <p:cNvPr id="6" name="内容占位符 5">
             <a:extLst>
               <a:ext uri="{FF2B5EF4-FFF2-40B4-BE49-F238E27FC236}">
-                <a16:creationId xmlns:a16="http://schemas.microsoft.com/office/drawing/2014/main" id="{6C4A71E1-7AAA-CD7B-0877-26F01BC3DE45}"/>
+                <a16:creationId xmlns:a16="http://schemas.microsoft.com/office/drawing/2014/main" id="{8C587906-50D7-2ECE-93B5-0B5812DBF6A0}"/>
               </a:ext>
             </a:extLst>
           </p:cNvPr>
@@ -1792,7 +1792,7 @@
           <p:cNvPr id="7" name="日期占位符 6">
             <a:extLst>
               <a:ext uri="{FF2B5EF4-FFF2-40B4-BE49-F238E27FC236}">
-                <a16:creationId xmlns:a16="http://schemas.microsoft.com/office/drawing/2014/main" id="{DED9F3E4-5E13-B5CC-092C-3E31DA65548C}"/>
+                <a16:creationId xmlns:a16="http://schemas.microsoft.com/office/drawing/2014/main" id="{7D0CAC56-2034-B785-591A-2560521DD1ED}"/>
               </a:ext>
             </a:extLst>
           </p:cNvPr>
@@ -1808,7 +1808,7 @@
           <a:bodyPr/>
           <a:lstStyle/>
           <a:p>
-            <a:fld id="{D3E127F4-75EE-4E78-8F36-D8E3A6AF637B}" type="datetimeFigureOut">
+            <a:fld id="{B7FB6B46-9698-4FCE-ADF7-6D28FB368E26}" type="datetimeFigureOut">
               <a:rPr lang="zh-CN" altLang="en-US" smtClean="0"/>
               <a:t>2024/3/10</a:t>
             </a:fld>
@@ -1821,7 +1821,7 @@
           <p:cNvPr id="8" name="页脚占位符 7">
             <a:extLst>
               <a:ext uri="{FF2B5EF4-FFF2-40B4-BE49-F238E27FC236}">
-                <a16:creationId xmlns:a16="http://schemas.microsoft.com/office/drawing/2014/main" id="{B124D10A-509C-4F2D-05F4-DDF3773F5005}"/>
+                <a16:creationId xmlns:a16="http://schemas.microsoft.com/office/drawing/2014/main" id="{98100115-D284-F43D-96E4-89598BBBA801}"/>
               </a:ext>
             </a:extLst>
           </p:cNvPr>
@@ -1846,7 +1846,7 @@
           <p:cNvPr id="9" name="灯片编号占位符 8">
             <a:extLst>
               <a:ext uri="{FF2B5EF4-FFF2-40B4-BE49-F238E27FC236}">
-                <a16:creationId xmlns:a16="http://schemas.microsoft.com/office/drawing/2014/main" id="{6A7DA2E7-4FDC-874B-3908-1756F2A6D9A5}"/>
+                <a16:creationId xmlns:a16="http://schemas.microsoft.com/office/drawing/2014/main" id="{1507F50D-6CFA-259D-5964-E0ECF1039BAE}"/>
               </a:ext>
             </a:extLst>
           </p:cNvPr>
@@ -1862,7 +1862,7 @@
           <a:bodyPr/>
           <a:lstStyle/>
           <a:p>
-            <a:fld id="{7F93AC3B-E287-401C-94A0-9157F967D642}" type="slidenum">
+            <a:fld id="{8DE3B536-9E86-4AD2-BA9D-DB7EDDF840CE}" type="slidenum">
               <a:rPr lang="zh-CN" altLang="en-US" smtClean="0"/>
               <a:t>‹#›</a:t>
             </a:fld>
@@ -1873,7 +1873,7 @@
     </p:spTree>
     <p:extLst>
       <p:ext uri="{BB962C8B-B14F-4D97-AF65-F5344CB8AC3E}">
-        <p14:creationId xmlns:p14="http://schemas.microsoft.com/office/powerpoint/2010/main" val="3386095957"/>
+        <p14:creationId xmlns:p14="http://schemas.microsoft.com/office/powerpoint/2010/main" val="3190329039"/>
       </p:ext>
     </p:extLst>
   </p:cSld>
@@ -1905,7 +1905,7 @@
           <p:cNvPr id="2" name="标题 1">
             <a:extLst>
               <a:ext uri="{FF2B5EF4-FFF2-40B4-BE49-F238E27FC236}">
-                <a16:creationId xmlns:a16="http://schemas.microsoft.com/office/drawing/2014/main" id="{D7032244-0193-0A65-0827-6C4E9268C8F3}"/>
+                <a16:creationId xmlns:a16="http://schemas.microsoft.com/office/drawing/2014/main" id="{F70B4B7C-51F3-4BFF-F3D7-53BDA7D1B305}"/>
               </a:ext>
             </a:extLst>
           </p:cNvPr>
@@ -1933,7 +1933,7 @@
           <p:cNvPr id="3" name="日期占位符 2">
             <a:extLst>
               <a:ext uri="{FF2B5EF4-FFF2-40B4-BE49-F238E27FC236}">
-                <a16:creationId xmlns:a16="http://schemas.microsoft.com/office/drawing/2014/main" id="{77ED4229-0CCB-A037-0966-FAAE48C6F8FC}"/>
+                <a16:creationId xmlns:a16="http://schemas.microsoft.com/office/drawing/2014/main" id="{0EFF1457-C45D-46E9-2B25-40077691B123}"/>
               </a:ext>
             </a:extLst>
           </p:cNvPr>
@@ -1949,7 +1949,7 @@
           <a:bodyPr/>
           <a:lstStyle/>
           <a:p>
-            <a:fld id="{D3E127F4-75EE-4E78-8F36-D8E3A6AF637B}" type="datetimeFigureOut">
+            <a:fld id="{B7FB6B46-9698-4FCE-ADF7-6D28FB368E26}" type="datetimeFigureOut">
               <a:rPr lang="zh-CN" altLang="en-US" smtClean="0"/>
               <a:t>2024/3/10</a:t>
             </a:fld>
@@ -1962,7 +1962,7 @@
           <p:cNvPr id="4" name="页脚占位符 3">
             <a:extLst>
               <a:ext uri="{FF2B5EF4-FFF2-40B4-BE49-F238E27FC236}">
-                <a16:creationId xmlns:a16="http://schemas.microsoft.com/office/drawing/2014/main" id="{C3EAE591-3086-6E21-EFE0-9B2971D92246}"/>
+                <a16:creationId xmlns:a16="http://schemas.microsoft.com/office/drawing/2014/main" id="{FB3AE976-3202-D35B-5B77-00B52C3038E1}"/>
               </a:ext>
             </a:extLst>
           </p:cNvPr>
@@ -1987,7 +1987,7 @@
           <p:cNvPr id="5" name="灯片编号占位符 4">
             <a:extLst>
               <a:ext uri="{FF2B5EF4-FFF2-40B4-BE49-F238E27FC236}">
-                <a16:creationId xmlns:a16="http://schemas.microsoft.com/office/drawing/2014/main" id="{433062A4-7851-4BAD-1337-58A1BF8333F4}"/>
+                <a16:creationId xmlns:a16="http://schemas.microsoft.com/office/drawing/2014/main" id="{E2516F9C-6310-8772-251F-685F8AFD85E5}"/>
               </a:ext>
             </a:extLst>
           </p:cNvPr>
@@ -2003,7 +2003,7 @@
           <a:bodyPr/>
           <a:lstStyle/>
           <a:p>
-            <a:fld id="{7F93AC3B-E287-401C-94A0-9157F967D642}" type="slidenum">
+            <a:fld id="{8DE3B536-9E86-4AD2-BA9D-DB7EDDF840CE}" type="slidenum">
               <a:rPr lang="zh-CN" altLang="en-US" smtClean="0"/>
               <a:t>‹#›</a:t>
             </a:fld>
@@ -2014,7 +2014,7 @@
     </p:spTree>
     <p:extLst>
       <p:ext uri="{BB962C8B-B14F-4D97-AF65-F5344CB8AC3E}">
-        <p14:creationId xmlns:p14="http://schemas.microsoft.com/office/powerpoint/2010/main" val="2319430579"/>
+        <p14:creationId xmlns:p14="http://schemas.microsoft.com/office/powerpoint/2010/main" val="1481352876"/>
       </p:ext>
     </p:extLst>
   </p:cSld>
@@ -2046,7 +2046,7 @@
           <p:cNvPr id="2" name="日期占位符 1">
             <a:extLst>
               <a:ext uri="{FF2B5EF4-FFF2-40B4-BE49-F238E27FC236}">
-                <a16:creationId xmlns:a16="http://schemas.microsoft.com/office/drawing/2014/main" id="{80CA89DF-0565-F610-8B03-43820C8EBC3A}"/>
+                <a16:creationId xmlns:a16="http://schemas.microsoft.com/office/drawing/2014/main" id="{40481505-1674-7778-BD27-D733BB74BD91}"/>
               </a:ext>
             </a:extLst>
           </p:cNvPr>
@@ -2062,7 +2062,7 @@
           <a:bodyPr/>
           <a:lstStyle/>
           <a:p>
-            <a:fld id="{D3E127F4-75EE-4E78-8F36-D8E3A6AF637B}" type="datetimeFigureOut">
+            <a:fld id="{B7FB6B46-9698-4FCE-ADF7-6D28FB368E26}" type="datetimeFigureOut">
               <a:rPr lang="zh-CN" altLang="en-US" smtClean="0"/>
               <a:t>2024/3/10</a:t>
             </a:fld>
@@ -2075,7 +2075,7 @@
           <p:cNvPr id="3" name="页脚占位符 2">
             <a:extLst>
               <a:ext uri="{FF2B5EF4-FFF2-40B4-BE49-F238E27FC236}">
-                <a16:creationId xmlns:a16="http://schemas.microsoft.com/office/drawing/2014/main" id="{131F96AE-95C9-80BB-B462-4DBC87259EE4}"/>
+                <a16:creationId xmlns:a16="http://schemas.microsoft.com/office/drawing/2014/main" id="{0278EEAA-4C76-024C-9618-4E31A4497124}"/>
               </a:ext>
             </a:extLst>
           </p:cNvPr>
@@ -2100,7 +2100,7 @@
           <p:cNvPr id="4" name="灯片编号占位符 3">
             <a:extLst>
               <a:ext uri="{FF2B5EF4-FFF2-40B4-BE49-F238E27FC236}">
-                <a16:creationId xmlns:a16="http://schemas.microsoft.com/office/drawing/2014/main" id="{3075BBFC-6FAD-1B01-E6CC-6DB169B052E2}"/>
+                <a16:creationId xmlns:a16="http://schemas.microsoft.com/office/drawing/2014/main" id="{92E4A446-CBC5-624A-A5EB-C3BDF30636BA}"/>
               </a:ext>
             </a:extLst>
           </p:cNvPr>
@@ -2116,7 +2116,7 @@
           <a:bodyPr/>
           <a:lstStyle/>
           <a:p>
-            <a:fld id="{7F93AC3B-E287-401C-94A0-9157F967D642}" type="slidenum">
+            <a:fld id="{8DE3B536-9E86-4AD2-BA9D-DB7EDDF840CE}" type="slidenum">
               <a:rPr lang="zh-CN" altLang="en-US" smtClean="0"/>
               <a:t>‹#›</a:t>
             </a:fld>
@@ -2127,7 +2127,7 @@
     </p:spTree>
     <p:extLst>
       <p:ext uri="{BB962C8B-B14F-4D97-AF65-F5344CB8AC3E}">
-        <p14:creationId xmlns:p14="http://schemas.microsoft.com/office/powerpoint/2010/main" val="3172088701"/>
+        <p14:creationId xmlns:p14="http://schemas.microsoft.com/office/powerpoint/2010/main" val="4251686513"/>
       </p:ext>
     </p:extLst>
   </p:cSld>
@@ -2159,7 +2159,7 @@
           <p:cNvPr id="2" name="标题 1">
             <a:extLst>
               <a:ext uri="{FF2B5EF4-FFF2-40B4-BE49-F238E27FC236}">
-                <a16:creationId xmlns:a16="http://schemas.microsoft.com/office/drawing/2014/main" id="{C71D93B9-AAC0-5913-B6EC-969B1A0620E1}"/>
+                <a16:creationId xmlns:a16="http://schemas.microsoft.com/office/drawing/2014/main" id="{C143E783-2C9F-E2D5-1761-EEEAA0E171D8}"/>
               </a:ext>
             </a:extLst>
           </p:cNvPr>
@@ -2196,7 +2196,7 @@
           <p:cNvPr id="3" name="内容占位符 2">
             <a:extLst>
               <a:ext uri="{FF2B5EF4-FFF2-40B4-BE49-F238E27FC236}">
-                <a16:creationId xmlns:a16="http://schemas.microsoft.com/office/drawing/2014/main" id="{6BA5FE31-CA6D-7C9D-5971-E503E0713348}"/>
+                <a16:creationId xmlns:a16="http://schemas.microsoft.com/office/drawing/2014/main" id="{9DFD720B-3E87-8276-9C29-BB54663D5D15}"/>
               </a:ext>
             </a:extLst>
           </p:cNvPr>
@@ -2286,7 +2286,7 @@
           <p:cNvPr id="4" name="文本占位符 3">
             <a:extLst>
               <a:ext uri="{FF2B5EF4-FFF2-40B4-BE49-F238E27FC236}">
-                <a16:creationId xmlns:a16="http://schemas.microsoft.com/office/drawing/2014/main" id="{331CDFF3-6319-1264-FF97-4ABB3047EBBE}"/>
+                <a16:creationId xmlns:a16="http://schemas.microsoft.com/office/drawing/2014/main" id="{3AA092F0-64F8-6F5A-FCC9-2D77F505F11F}"/>
               </a:ext>
             </a:extLst>
           </p:cNvPr>
@@ -2357,7 +2357,7 @@
           <p:cNvPr id="5" name="日期占位符 4">
             <a:extLst>
               <a:ext uri="{FF2B5EF4-FFF2-40B4-BE49-F238E27FC236}">
-                <a16:creationId xmlns:a16="http://schemas.microsoft.com/office/drawing/2014/main" id="{126483A2-CC11-692F-2CC1-B73D81D61549}"/>
+                <a16:creationId xmlns:a16="http://schemas.microsoft.com/office/drawing/2014/main" id="{60E53C39-2A6F-EF7A-2CF9-CE8B8472B84F}"/>
               </a:ext>
             </a:extLst>
           </p:cNvPr>
@@ -2373,7 +2373,7 @@
           <a:bodyPr/>
           <a:lstStyle/>
           <a:p>
-            <a:fld id="{D3E127F4-75EE-4E78-8F36-D8E3A6AF637B}" type="datetimeFigureOut">
+            <a:fld id="{B7FB6B46-9698-4FCE-ADF7-6D28FB368E26}" type="datetimeFigureOut">
               <a:rPr lang="zh-CN" altLang="en-US" smtClean="0"/>
               <a:t>2024/3/10</a:t>
             </a:fld>
@@ -2386,7 +2386,7 @@
           <p:cNvPr id="6" name="页脚占位符 5">
             <a:extLst>
               <a:ext uri="{FF2B5EF4-FFF2-40B4-BE49-F238E27FC236}">
-                <a16:creationId xmlns:a16="http://schemas.microsoft.com/office/drawing/2014/main" id="{66DCF288-F2B7-296E-2E4B-0928DAE70863}"/>
+                <a16:creationId xmlns:a16="http://schemas.microsoft.com/office/drawing/2014/main" id="{57904F3F-8B81-8217-E739-BF0D8261A7FC}"/>
               </a:ext>
             </a:extLst>
           </p:cNvPr>
@@ -2411,7 +2411,7 @@
           <p:cNvPr id="7" name="灯片编号占位符 6">
             <a:extLst>
               <a:ext uri="{FF2B5EF4-FFF2-40B4-BE49-F238E27FC236}">
-                <a16:creationId xmlns:a16="http://schemas.microsoft.com/office/drawing/2014/main" id="{F6199E21-307B-66E4-D120-1F77B16BBF9C}"/>
+                <a16:creationId xmlns:a16="http://schemas.microsoft.com/office/drawing/2014/main" id="{94464468-5411-168B-2F57-F262851C12BB}"/>
               </a:ext>
             </a:extLst>
           </p:cNvPr>
@@ -2427,7 +2427,7 @@
           <a:bodyPr/>
           <a:lstStyle/>
           <a:p>
-            <a:fld id="{7F93AC3B-E287-401C-94A0-9157F967D642}" type="slidenum">
+            <a:fld id="{8DE3B536-9E86-4AD2-BA9D-DB7EDDF840CE}" type="slidenum">
               <a:rPr lang="zh-CN" altLang="en-US" smtClean="0"/>
               <a:t>‹#›</a:t>
             </a:fld>
@@ -2438,7 +2438,7 @@
     </p:spTree>
     <p:extLst>
       <p:ext uri="{BB962C8B-B14F-4D97-AF65-F5344CB8AC3E}">
-        <p14:creationId xmlns:p14="http://schemas.microsoft.com/office/powerpoint/2010/main" val="3770186406"/>
+        <p14:creationId xmlns:p14="http://schemas.microsoft.com/office/powerpoint/2010/main" val="2473105694"/>
       </p:ext>
     </p:extLst>
   </p:cSld>
@@ -2470,7 +2470,7 @@
           <p:cNvPr id="2" name="标题 1">
             <a:extLst>
               <a:ext uri="{FF2B5EF4-FFF2-40B4-BE49-F238E27FC236}">
-                <a16:creationId xmlns:a16="http://schemas.microsoft.com/office/drawing/2014/main" id="{B64B92EA-B383-ED55-C404-C344871337A6}"/>
+                <a16:creationId xmlns:a16="http://schemas.microsoft.com/office/drawing/2014/main" id="{05700539-5565-0298-12AC-1F4D63776A0F}"/>
               </a:ext>
             </a:extLst>
           </p:cNvPr>
@@ -2507,7 +2507,7 @@
           <p:cNvPr id="3" name="图片占位符 2">
             <a:extLst>
               <a:ext uri="{FF2B5EF4-FFF2-40B4-BE49-F238E27FC236}">
-                <a16:creationId xmlns:a16="http://schemas.microsoft.com/office/drawing/2014/main" id="{7E42CBC0-EFAA-3EE9-FF7D-057F8CD660FD}"/>
+                <a16:creationId xmlns:a16="http://schemas.microsoft.com/office/drawing/2014/main" id="{1510EEAE-0327-FA87-77C4-FDCD75E54640}"/>
               </a:ext>
             </a:extLst>
           </p:cNvPr>
@@ -2574,7 +2574,7 @@
           <p:cNvPr id="4" name="文本占位符 3">
             <a:extLst>
               <a:ext uri="{FF2B5EF4-FFF2-40B4-BE49-F238E27FC236}">
-                <a16:creationId xmlns:a16="http://schemas.microsoft.com/office/drawing/2014/main" id="{92ECD9AA-FCE9-7699-D5AB-3173A83D19FA}"/>
+                <a16:creationId xmlns:a16="http://schemas.microsoft.com/office/drawing/2014/main" id="{7EA36934-767E-F6AE-519D-05A7DC80E15C}"/>
               </a:ext>
             </a:extLst>
           </p:cNvPr>
@@ -2645,7 +2645,7 @@
           <p:cNvPr id="5" name="日期占位符 4">
             <a:extLst>
               <a:ext uri="{FF2B5EF4-FFF2-40B4-BE49-F238E27FC236}">
-                <a16:creationId xmlns:a16="http://schemas.microsoft.com/office/drawing/2014/main" id="{0A272A94-0B95-B40B-679C-2E53C0868A44}"/>
+                <a16:creationId xmlns:a16="http://schemas.microsoft.com/office/drawing/2014/main" id="{D84357C5-F2EC-6923-B6F7-41C5627121B8}"/>
               </a:ext>
             </a:extLst>
           </p:cNvPr>
@@ -2661,7 +2661,7 @@
           <a:bodyPr/>
           <a:lstStyle/>
           <a:p>
-            <a:fld id="{D3E127F4-75EE-4E78-8F36-D8E3A6AF637B}" type="datetimeFigureOut">
+            <a:fld id="{B7FB6B46-9698-4FCE-ADF7-6D28FB368E26}" type="datetimeFigureOut">
               <a:rPr lang="zh-CN" altLang="en-US" smtClean="0"/>
               <a:t>2024/3/10</a:t>
             </a:fld>
@@ -2674,7 +2674,7 @@
           <p:cNvPr id="6" name="页脚占位符 5">
             <a:extLst>
               <a:ext uri="{FF2B5EF4-FFF2-40B4-BE49-F238E27FC236}">
-                <a16:creationId xmlns:a16="http://schemas.microsoft.com/office/drawing/2014/main" id="{AD3B0A15-F87C-2712-2934-FDB2691285AB}"/>
+                <a16:creationId xmlns:a16="http://schemas.microsoft.com/office/drawing/2014/main" id="{26F6E5C6-097F-C607-41A2-1A7F2AC66283}"/>
               </a:ext>
             </a:extLst>
           </p:cNvPr>
@@ -2699,7 +2699,7 @@
           <p:cNvPr id="7" name="灯片编号占位符 6">
             <a:extLst>
               <a:ext uri="{FF2B5EF4-FFF2-40B4-BE49-F238E27FC236}">
-                <a16:creationId xmlns:a16="http://schemas.microsoft.com/office/drawing/2014/main" id="{4142F1E0-0C16-BD9A-E8A1-66C5FA095FAE}"/>
+                <a16:creationId xmlns:a16="http://schemas.microsoft.com/office/drawing/2014/main" id="{8D2C5D8E-59C8-CCD1-3885-6206D9DCD893}"/>
               </a:ext>
             </a:extLst>
           </p:cNvPr>
@@ -2715,7 +2715,7 @@
           <a:bodyPr/>
           <a:lstStyle/>
           <a:p>
-            <a:fld id="{7F93AC3B-E287-401C-94A0-9157F967D642}" type="slidenum">
+            <a:fld id="{8DE3B536-9E86-4AD2-BA9D-DB7EDDF840CE}" type="slidenum">
               <a:rPr lang="zh-CN" altLang="en-US" smtClean="0"/>
               <a:t>‹#›</a:t>
             </a:fld>
@@ -2726,7 +2726,7 @@
     </p:spTree>
     <p:extLst>
       <p:ext uri="{BB962C8B-B14F-4D97-AF65-F5344CB8AC3E}">
-        <p14:creationId xmlns:p14="http://schemas.microsoft.com/office/powerpoint/2010/main" val="3016522032"/>
+        <p14:creationId xmlns:p14="http://schemas.microsoft.com/office/powerpoint/2010/main" val="1573291119"/>
       </p:ext>
     </p:extLst>
   </p:cSld>
@@ -2763,7 +2763,7 @@
           <p:cNvPr id="2" name="标题占位符 1">
             <a:extLst>
               <a:ext uri="{FF2B5EF4-FFF2-40B4-BE49-F238E27FC236}">
-                <a16:creationId xmlns:a16="http://schemas.microsoft.com/office/drawing/2014/main" id="{6CE7F0E7-69FF-5E8E-B428-8B1A9FD2D779}"/>
+                <a16:creationId xmlns:a16="http://schemas.microsoft.com/office/drawing/2014/main" id="{C0A68CF6-379A-8D92-55DD-A1A50BC7F532}"/>
               </a:ext>
             </a:extLst>
           </p:cNvPr>
@@ -2801,7 +2801,7 @@
           <p:cNvPr id="3" name="文本占位符 2">
             <a:extLst>
               <a:ext uri="{FF2B5EF4-FFF2-40B4-BE49-F238E27FC236}">
-                <a16:creationId xmlns:a16="http://schemas.microsoft.com/office/drawing/2014/main" id="{E7AB0E86-87C3-9684-3BD6-EC513B148EDB}"/>
+                <a16:creationId xmlns:a16="http://schemas.microsoft.com/office/drawing/2014/main" id="{05445E41-C39B-0C0F-4727-4BBA4A1E810B}"/>
               </a:ext>
             </a:extLst>
           </p:cNvPr>
@@ -2868,7 +2868,7 @@
           <p:cNvPr id="4" name="日期占位符 3">
             <a:extLst>
               <a:ext uri="{FF2B5EF4-FFF2-40B4-BE49-F238E27FC236}">
-                <a16:creationId xmlns:a16="http://schemas.microsoft.com/office/drawing/2014/main" id="{91BDE3A6-42B7-6F78-D689-B5C7B8E10DC1}"/>
+                <a16:creationId xmlns:a16="http://schemas.microsoft.com/office/drawing/2014/main" id="{F6AC2896-0EAA-D97D-6E63-F18CF273C4D6}"/>
               </a:ext>
             </a:extLst>
           </p:cNvPr>
@@ -2902,7 +2902,7 @@
             </a:lvl1pPr>
           </a:lstStyle>
           <a:p>
-            <a:fld id="{D3E127F4-75EE-4E78-8F36-D8E3A6AF637B}" type="datetimeFigureOut">
+            <a:fld id="{B7FB6B46-9698-4FCE-ADF7-6D28FB368E26}" type="datetimeFigureOut">
               <a:rPr lang="zh-CN" altLang="en-US" smtClean="0"/>
               <a:t>2024/3/10</a:t>
             </a:fld>
@@ -2915,7 +2915,7 @@
           <p:cNvPr id="5" name="页脚占位符 4">
             <a:extLst>
               <a:ext uri="{FF2B5EF4-FFF2-40B4-BE49-F238E27FC236}">
-                <a16:creationId xmlns:a16="http://schemas.microsoft.com/office/drawing/2014/main" id="{87A96A5F-09E0-334C-1531-8E8936FFD493}"/>
+                <a16:creationId xmlns:a16="http://schemas.microsoft.com/office/drawing/2014/main" id="{ADD1C1E5-C62C-950E-C124-14575222A48E}"/>
               </a:ext>
             </a:extLst>
           </p:cNvPr>
@@ -2958,7 +2958,7 @@
           <p:cNvPr id="6" name="灯片编号占位符 5">
             <a:extLst>
               <a:ext uri="{FF2B5EF4-FFF2-40B4-BE49-F238E27FC236}">
-                <a16:creationId xmlns:a16="http://schemas.microsoft.com/office/drawing/2014/main" id="{5119888C-FC1C-5D59-07D5-81E07DE4EA7F}"/>
+                <a16:creationId xmlns:a16="http://schemas.microsoft.com/office/drawing/2014/main" id="{29AC49F4-256B-1008-24F1-0ED3B535D5E4}"/>
               </a:ext>
             </a:extLst>
           </p:cNvPr>
@@ -2992,7 +2992,7 @@
             </a:lvl1pPr>
           </a:lstStyle>
           <a:p>
-            <a:fld id="{7F93AC3B-E287-401C-94A0-9157F967D642}" type="slidenum">
+            <a:fld id="{8DE3B536-9E86-4AD2-BA9D-DB7EDDF840CE}" type="slidenum">
               <a:rPr lang="zh-CN" altLang="en-US" smtClean="0"/>
               <a:t>‹#›</a:t>
             </a:fld>
@@ -3003,7 +3003,7 @@
     </p:spTree>
     <p:extLst>
       <p:ext uri="{BB962C8B-B14F-4D97-AF65-F5344CB8AC3E}">
-        <p14:creationId xmlns:p14="http://schemas.microsoft.com/office/powerpoint/2010/main" val="906074984"/>
+        <p14:creationId xmlns:p14="http://schemas.microsoft.com/office/powerpoint/2010/main" val="3022008744"/>
       </p:ext>
     </p:extLst>
   </p:cSld>
@@ -3323,7 +3323,7 @@
       </p:grpSpPr>
       <p:pic>
         <p:nvPicPr>
-          <p:cNvPr id="663554" name="Picture 2" descr="647"/>
+          <p:cNvPr id="664578" name="Picture 2" descr="648"/>
           <p:cNvPicPr>
             <a:picLocks noChangeAspect="1" noChangeArrowheads="1"/>
           </p:cNvPicPr>
